--- a/Présentation.pptx
+++ b/Présentation.pptx
@@ -148,6 +148,14 @@
       </a:defRPr>
     </a:lvl9pPr>
   </p:defaultTextStyle>
+  <p:extLst>
+    <p:ext uri="{EFAFB233-063F-42B5-8137-9DF3F51BA10A}">
+      <p15:sldGuideLst xmlns:p15="http://schemas.microsoft.com/office/powerpoint/2012/main"/>
+    </p:ext>
+    <p:ext uri="{2D200454-40CA-4A62-9FC3-DE9A4176ACB9}">
+      <p15:notesGuideLst xmlns:p15="http://schemas.microsoft.com/office/powerpoint/2012/main"/>
+    </p:ext>
+  </p:extLst>
 </p:presentation>
 </file>
 
@@ -233,7 +241,7 @@
           <a:p>
             <a:fld id="{0353A160-4DBD-44B9-B557-28F0DB332E06}" type="datetimeFigureOut">
               <a:rPr lang="en-US" smtClean="0"/>
-              <a:t>1/1/2018</a:t>
+              <a:t>2/13/2018</a:t>
             </a:fld>
             <a:endParaRPr lang="en-US"/>
           </a:p>
@@ -716,7 +724,7 @@
           <a:p>
             <a:fld id="{E0D0A100-EEBA-4D56-A3F5-8CF651B3E1EF}" type="datetimeFigureOut">
               <a:rPr lang="en-US" smtClean="0"/>
-              <a:t>1/1/2018</a:t>
+              <a:t>2/13/2018</a:t>
             </a:fld>
             <a:endParaRPr lang="en-US"/>
           </a:p>
@@ -886,7 +894,7 @@
           <a:p>
             <a:fld id="{E0D0A100-EEBA-4D56-A3F5-8CF651B3E1EF}" type="datetimeFigureOut">
               <a:rPr lang="en-US" smtClean="0"/>
-              <a:t>1/1/2018</a:t>
+              <a:t>2/13/2018</a:t>
             </a:fld>
             <a:endParaRPr lang="en-US"/>
           </a:p>
@@ -1066,7 +1074,7 @@
           <a:p>
             <a:fld id="{E0D0A100-EEBA-4D56-A3F5-8CF651B3E1EF}" type="datetimeFigureOut">
               <a:rPr lang="en-US" smtClean="0"/>
-              <a:t>1/1/2018</a:t>
+              <a:t>2/13/2018</a:t>
             </a:fld>
             <a:endParaRPr lang="en-US"/>
           </a:p>
@@ -1236,7 +1244,7 @@
           <a:p>
             <a:fld id="{E0D0A100-EEBA-4D56-A3F5-8CF651B3E1EF}" type="datetimeFigureOut">
               <a:rPr lang="en-US" smtClean="0"/>
-              <a:t>1/1/2018</a:t>
+              <a:t>2/13/2018</a:t>
             </a:fld>
             <a:endParaRPr lang="en-US"/>
           </a:p>
@@ -1482,7 +1490,7 @@
           <a:p>
             <a:fld id="{E0D0A100-EEBA-4D56-A3F5-8CF651B3E1EF}" type="datetimeFigureOut">
               <a:rPr lang="en-US" smtClean="0"/>
-              <a:t>1/1/2018</a:t>
+              <a:t>2/13/2018</a:t>
             </a:fld>
             <a:endParaRPr lang="en-US"/>
           </a:p>
@@ -1714,7 +1722,7 @@
           <a:p>
             <a:fld id="{E0D0A100-EEBA-4D56-A3F5-8CF651B3E1EF}" type="datetimeFigureOut">
               <a:rPr lang="en-US" smtClean="0"/>
-              <a:t>1/1/2018</a:t>
+              <a:t>2/13/2018</a:t>
             </a:fld>
             <a:endParaRPr lang="en-US"/>
           </a:p>
@@ -2081,7 +2089,7 @@
           <a:p>
             <a:fld id="{E0D0A100-EEBA-4D56-A3F5-8CF651B3E1EF}" type="datetimeFigureOut">
               <a:rPr lang="en-US" smtClean="0"/>
-              <a:t>1/1/2018</a:t>
+              <a:t>2/13/2018</a:t>
             </a:fld>
             <a:endParaRPr lang="en-US"/>
           </a:p>
@@ -2199,7 +2207,7 @@
           <a:p>
             <a:fld id="{E0D0A100-EEBA-4D56-A3F5-8CF651B3E1EF}" type="datetimeFigureOut">
               <a:rPr lang="en-US" smtClean="0"/>
-              <a:t>1/1/2018</a:t>
+              <a:t>2/13/2018</a:t>
             </a:fld>
             <a:endParaRPr lang="en-US"/>
           </a:p>
@@ -2294,7 +2302,7 @@
           <a:p>
             <a:fld id="{E0D0A100-EEBA-4D56-A3F5-8CF651B3E1EF}" type="datetimeFigureOut">
               <a:rPr lang="en-US" smtClean="0"/>
-              <a:t>1/1/2018</a:t>
+              <a:t>2/13/2018</a:t>
             </a:fld>
             <a:endParaRPr lang="en-US"/>
           </a:p>
@@ -2571,7 +2579,7 @@
           <a:p>
             <a:fld id="{E0D0A100-EEBA-4D56-A3F5-8CF651B3E1EF}" type="datetimeFigureOut">
               <a:rPr lang="en-US" smtClean="0"/>
-              <a:t>1/1/2018</a:t>
+              <a:t>2/13/2018</a:t>
             </a:fld>
             <a:endParaRPr lang="en-US"/>
           </a:p>
@@ -2824,7 +2832,7 @@
           <a:p>
             <a:fld id="{E0D0A100-EEBA-4D56-A3F5-8CF651B3E1EF}" type="datetimeFigureOut">
               <a:rPr lang="en-US" smtClean="0"/>
-              <a:t>1/1/2018</a:t>
+              <a:t>2/13/2018</a:t>
             </a:fld>
             <a:endParaRPr lang="en-US"/>
           </a:p>
@@ -3037,7 +3045,7 @@
           <a:p>
             <a:fld id="{E0D0A100-EEBA-4D56-A3F5-8CF651B3E1EF}" type="datetimeFigureOut">
               <a:rPr lang="en-US" smtClean="0"/>
-              <a:t>1/1/2018</a:t>
+              <a:t>2/13/2018</a:t>
             </a:fld>
             <a:endParaRPr lang="en-US"/>
           </a:p>
@@ -3444,25 +3452,6 @@
       </p:grpSpPr>
       <p:sp>
         <p:nvSpPr>
-          <p:cNvPr id="2" name="Title 1"/>
-          <p:cNvSpPr>
-            <a:spLocks noGrp="1"/>
-          </p:cNvSpPr>
-          <p:nvPr>
-            <p:ph type="ctrTitle"/>
-          </p:nvPr>
-        </p:nvSpPr>
-        <p:spPr/>
-        <p:txBody>
-          <a:bodyPr/>
-          <a:lstStyle/>
-          <a:p>
-            <a:endParaRPr lang="en-US" dirty="0"/>
-          </a:p>
-        </p:txBody>
-      </p:sp>
-      <p:sp>
-        <p:nvSpPr>
           <p:cNvPr id="3" name="Subtitle 2"/>
           <p:cNvSpPr>
             <a:spLocks noGrp="1"/>
@@ -3471,18 +3460,37 @@
             <p:ph type="subTitle" idx="1"/>
           </p:nvPr>
         </p:nvSpPr>
-        <p:spPr/>
-        <p:txBody>
-          <a:bodyPr/>
-          <a:lstStyle/>
-          <a:p>
-            <a:endParaRPr lang="en-US" dirty="0"/>
+        <p:spPr>
+          <a:xfrm>
+            <a:off x="1423653" y="5866982"/>
+            <a:ext cx="9144000" cy="987215"/>
+          </a:xfrm>
+        </p:spPr>
+        <p:txBody>
+          <a:bodyPr/>
+          <a:lstStyle/>
+          <a:p>
+            <a:r>
+              <a:rPr lang="en-US" dirty="0" err="1" smtClean="0">
+                <a:latin typeface="+mj-lt"/>
+              </a:rPr>
+              <a:t>Présenté</a:t>
+            </a:r>
+            <a:r>
+              <a:rPr lang="en-US" dirty="0" smtClean="0">
+                <a:latin typeface="+mj-lt"/>
+              </a:rPr>
+              <a:t> par: Mohamed Sabra</a:t>
+            </a:r>
+            <a:endParaRPr lang="en-US" dirty="0">
+              <a:latin typeface="+mj-lt"/>
+            </a:endParaRPr>
           </a:p>
         </p:txBody>
       </p:sp>
       <p:pic>
         <p:nvPicPr>
-          <p:cNvPr id="5" name="Picture 4"/>
+          <p:cNvPr id="6" name="Picture 5"/>
           <p:cNvPicPr>
             <a:picLocks noChangeAspect="1"/>
           </p:cNvPicPr>
@@ -3502,8 +3510,8 @@
         </p:blipFill>
         <p:spPr>
           <a:xfrm>
-            <a:off x="2329721" y="0"/>
-            <a:ext cx="7532557" cy="6858000"/>
+            <a:off x="2959450" y="57504"/>
+            <a:ext cx="6072407" cy="5528610"/>
           </a:xfrm>
           <a:prstGeom prst="rect">
             <a:avLst/>
@@ -4280,11 +4288,7 @@
             </a:r>
             <a:r>
               <a:rPr lang="fr-FR" b="1" dirty="0" smtClean="0"/>
-              <a:t>l</a:t>
-            </a:r>
-            <a:r>
-              <a:rPr lang="fr-FR" b="1" dirty="0" smtClean="0"/>
-              <a:t>a </a:t>
+              <a:t>la </a:t>
             </a:r>
             <a:r>
               <a:rPr lang="fr-FR" b="1" dirty="0"/>
@@ -7081,11 +7085,7 @@
             </a:pPr>
             <a:r>
               <a:rPr lang="fr-FR" dirty="0" smtClean="0"/>
-              <a:t>Récupération </a:t>
-            </a:r>
-            <a:r>
-              <a:rPr lang="fr-FR" dirty="0" smtClean="0"/>
-              <a:t>d’une </a:t>
+              <a:t>Récupération d’une </a:t>
             </a:r>
             <a:r>
               <a:rPr lang="fr-FR" b="1" dirty="0" smtClean="0"/>
